--- a/Sharpest++/Chapter 14 - Class.pptx
+++ b/Sharpest++/Chapter 14 - Class.pptx
@@ -240,7 +240,7 @@
           <a:p>
             <a:fld id="{14064E1B-EADF-46E0-B2CF-CBBF37D915B3}" type="datetimeFigureOut">
               <a:rPr lang="ko-KR" altLang="en-US" smtClean="0"/>
-              <a:t>2019-04-03</a:t>
+              <a:t>2019-06-02</a:t>
             </a:fld>
             <a:endParaRPr lang="ko-KR" altLang="en-US"/>
           </a:p>
@@ -701,7 +701,15 @@
             </a:pPr>
             <a:r>
               <a:rPr lang="en-US" altLang="ko-KR" dirty="0"/>
-              <a:t>A2. Vector2D* const</a:t>
+              <a:t>A2. </a:t>
+            </a:r>
+            <a:r>
+              <a:rPr lang="en-US" altLang="ko-KR"/>
+              <a:t>const Vector2D</a:t>
+            </a:r>
+            <a:r>
+              <a:rPr lang="en-US" altLang="ko-KR" dirty="0"/>
+              <a:t>* const</a:t>
             </a:r>
           </a:p>
           <a:p>
@@ -5399,7 +5407,7 @@
           <a:p>
             <a:fld id="{9FD3C816-E8FD-4807-9C0F-99A78AC38099}" type="datetimeFigureOut">
               <a:rPr lang="ko-KR" altLang="en-US" smtClean="0"/>
-              <a:t>2019-04-03</a:t>
+              <a:t>2019-06-02</a:t>
             </a:fld>
             <a:endParaRPr lang="ko-KR" altLang="en-US"/>
           </a:p>
@@ -5567,7 +5575,7 @@
           <a:p>
             <a:fld id="{9FD3C816-E8FD-4807-9C0F-99A78AC38099}" type="datetimeFigureOut">
               <a:rPr lang="ko-KR" altLang="en-US" smtClean="0"/>
-              <a:t>2019-04-03</a:t>
+              <a:t>2019-06-02</a:t>
             </a:fld>
             <a:endParaRPr lang="ko-KR" altLang="en-US"/>
           </a:p>
@@ -5745,7 +5753,7 @@
           <a:p>
             <a:fld id="{9FD3C816-E8FD-4807-9C0F-99A78AC38099}" type="datetimeFigureOut">
               <a:rPr lang="ko-KR" altLang="en-US" smtClean="0"/>
-              <a:t>2019-04-03</a:t>
+              <a:t>2019-06-02</a:t>
             </a:fld>
             <a:endParaRPr lang="ko-KR" altLang="en-US"/>
           </a:p>
@@ -5913,7 +5921,7 @@
           <a:p>
             <a:fld id="{9FD3C816-E8FD-4807-9C0F-99A78AC38099}" type="datetimeFigureOut">
               <a:rPr lang="ko-KR" altLang="en-US" smtClean="0"/>
-              <a:t>2019-04-03</a:t>
+              <a:t>2019-06-02</a:t>
             </a:fld>
             <a:endParaRPr lang="ko-KR" altLang="en-US"/>
           </a:p>
@@ -6158,7 +6166,7 @@
           <a:p>
             <a:fld id="{9FD3C816-E8FD-4807-9C0F-99A78AC38099}" type="datetimeFigureOut">
               <a:rPr lang="ko-KR" altLang="en-US" smtClean="0"/>
-              <a:t>2019-04-03</a:t>
+              <a:t>2019-06-02</a:t>
             </a:fld>
             <a:endParaRPr lang="ko-KR" altLang="en-US"/>
           </a:p>
@@ -6443,7 +6451,7 @@
           <a:p>
             <a:fld id="{9FD3C816-E8FD-4807-9C0F-99A78AC38099}" type="datetimeFigureOut">
               <a:rPr lang="ko-KR" altLang="en-US" smtClean="0"/>
-              <a:t>2019-04-03</a:t>
+              <a:t>2019-06-02</a:t>
             </a:fld>
             <a:endParaRPr lang="ko-KR" altLang="en-US"/>
           </a:p>
@@ -6867,7 +6875,7 @@
           <a:p>
             <a:fld id="{9FD3C816-E8FD-4807-9C0F-99A78AC38099}" type="datetimeFigureOut">
               <a:rPr lang="ko-KR" altLang="en-US" smtClean="0"/>
-              <a:t>2019-04-03</a:t>
+              <a:t>2019-06-02</a:t>
             </a:fld>
             <a:endParaRPr lang="ko-KR" altLang="en-US"/>
           </a:p>
@@ -6984,7 +6992,7 @@
           <a:p>
             <a:fld id="{9FD3C816-E8FD-4807-9C0F-99A78AC38099}" type="datetimeFigureOut">
               <a:rPr lang="ko-KR" altLang="en-US" smtClean="0"/>
-              <a:t>2019-04-03</a:t>
+              <a:t>2019-06-02</a:t>
             </a:fld>
             <a:endParaRPr lang="ko-KR" altLang="en-US"/>
           </a:p>
@@ -7079,7 +7087,7 @@
           <a:p>
             <a:fld id="{9FD3C816-E8FD-4807-9C0F-99A78AC38099}" type="datetimeFigureOut">
               <a:rPr lang="ko-KR" altLang="en-US" smtClean="0"/>
-              <a:t>2019-04-03</a:t>
+              <a:t>2019-06-02</a:t>
             </a:fld>
             <a:endParaRPr lang="ko-KR" altLang="en-US"/>
           </a:p>
@@ -7354,7 +7362,7 @@
           <a:p>
             <a:fld id="{9FD3C816-E8FD-4807-9C0F-99A78AC38099}" type="datetimeFigureOut">
               <a:rPr lang="ko-KR" altLang="en-US" smtClean="0"/>
-              <a:t>2019-04-03</a:t>
+              <a:t>2019-06-02</a:t>
             </a:fld>
             <a:endParaRPr lang="ko-KR" altLang="en-US"/>
           </a:p>
@@ -7606,7 +7614,7 @@
           <a:p>
             <a:fld id="{9FD3C816-E8FD-4807-9C0F-99A78AC38099}" type="datetimeFigureOut">
               <a:rPr lang="ko-KR" altLang="en-US" smtClean="0"/>
-              <a:t>2019-04-03</a:t>
+              <a:t>2019-06-02</a:t>
             </a:fld>
             <a:endParaRPr lang="ko-KR" altLang="en-US"/>
           </a:p>
@@ -7827,7 +7835,7 @@
           <a:p>
             <a:fld id="{9FD3C816-E8FD-4807-9C0F-99A78AC38099}" type="datetimeFigureOut">
               <a:rPr lang="ko-KR" altLang="en-US" smtClean="0"/>
-              <a:t>2019-04-03</a:t>
+              <a:t>2019-06-02</a:t>
             </a:fld>
             <a:endParaRPr lang="ko-KR" altLang="en-US"/>
           </a:p>
